--- a/Kingdom Prediction.pptx
+++ b/Kingdom Prediction.pptx
@@ -12783,7 +12783,7 @@
         </p:nvGrpSpPr>
         <p:grpSpPr>
           <a:xfrm>
-            <a:off x="4424814" y="2206807"/>
+            <a:off x="4447439" y="2206807"/>
             <a:ext cx="5635664" cy="3875909"/>
             <a:chOff x="3504875" y="2741725"/>
             <a:chExt cx="4507450" cy="3404400"/>
@@ -13430,7 +13430,7 @@
             </a:pPr>
             <a:r>
               <a:rPr lang="en-US"/>
-              <a:t>Darsh #1 Fan Club!  XOXO</a:t>
+              <a:t>Darsh’s only fans!  XOXO</a:t>
             </a:r>
             <a:endParaRPr/>
           </a:p>
@@ -14222,7 +14222,7 @@
 </file>
 
 <file path=ppt/slides/slide7.xml><?xml version="1.0" encoding="utf-8"?>
-<p:sld xmlns:a="http://schemas.openxmlformats.org/drawingml/2006/main" xmlns:r="http://schemas.openxmlformats.org/officeDocument/2006/relationships" xmlns:mc="http://schemas.openxmlformats.org/markup-compatibility/2006" xmlns:mv="urn:schemas-microsoft-com:mac:vml" xmlns:p="http://schemas.openxmlformats.org/presentationml/2006/main" xmlns:c="http://schemas.openxmlformats.org/drawingml/2006/chart" xmlns:dgm="http://schemas.openxmlformats.org/drawingml/2006/diagram" xmlns:o="urn:schemas-microsoft-com:office:office" xmlns:v="urn:schemas-microsoft-com:vml" xmlns:pvml="urn:schemas-microsoft-com:office:powerpoint" xmlns:com="http://schemas.openxmlformats.org/drawingml/2006/compatibility" xmlns:p14="http://schemas.microsoft.com/office/powerpoint/2010/main" xmlns:p15="http://schemas.microsoft.com/office/powerpoint/2012/main" xmlns:ahyp="http://schemas.microsoft.com/office/drawing/2018/hyperlinkcolor">
+<p:sld xmlns:a="http://schemas.openxmlformats.org/drawingml/2006/main" xmlns:r="http://schemas.openxmlformats.org/officeDocument/2006/relationships" xmlns:mc="http://schemas.openxmlformats.org/markup-compatibility/2006" xmlns:mv="urn:schemas-microsoft-com:mac:vml" xmlns:p="http://schemas.openxmlformats.org/presentationml/2006/main" xmlns:c="http://schemas.openxmlformats.org/drawingml/2006/chart" xmlns:dgm="http://schemas.openxmlformats.org/drawingml/2006/diagram" xmlns:o="urn:schemas-microsoft-com:office:office" xmlns:v="urn:schemas-microsoft-com:vml" xmlns:pvml="urn:schemas-microsoft-com:office:powerpoint" xmlns:com="http://schemas.openxmlformats.org/drawingml/2006/compatibility" xmlns:p14="http://schemas.microsoft.com/office/powerpoint/2010/main" xmlns:p15="http://schemas.microsoft.com/office/powerpoint/2012/main" xmlns:ahyp="http://schemas.microsoft.com/office/drawing/2018/hyperlinkcolor" show="0">
   <p:cSld>
     <p:spTree>
       <p:nvGrpSpPr>
@@ -15268,6 +15268,10 @@
             </a:pPr>
             <a:r>
               <a:rPr lang="en-US"/>
+              <a:t>    </a:t>
+            </a:r>
+            <a:r>
+              <a:rPr lang="en-US"/>
               <a:t>Models tried</a:t>
             </a:r>
             <a:endParaRPr/>
@@ -15289,7 +15293,7 @@
             <a:tbl>
               <a:tblPr>
                 <a:noFill/>
-                <a:tableStyleId>{187A2FF8-9698-4EEE-A567-3426067E2632}</a:tableStyleId>
+                <a:tableStyleId>{FD569BA4-3733-4328-87F6-26B5889362EF}</a:tableStyleId>
               </a:tblPr>
               <a:tblGrid>
                 <a:gridCol w="3847675"/>
@@ -15622,6 +15626,285 @@
 </file>
 
 <file path=ppt/theme/theme1.xml><?xml version="1.0" encoding="utf-8"?>
+<a:theme xmlns:a="http://schemas.openxmlformats.org/drawingml/2006/main" xmlns:r="http://schemas.openxmlformats.org/officeDocument/2006/relationships" name="Office Theme">
+  <a:themeElements>
+    <a:clrScheme name="Office">
+      <a:dk1>
+        <a:srgbClr val="000000"/>
+      </a:dk1>
+      <a:lt1>
+        <a:srgbClr val="FFFFFF"/>
+      </a:lt1>
+      <a:dk2>
+        <a:srgbClr val="44546A"/>
+      </a:dk2>
+      <a:lt2>
+        <a:srgbClr val="E7E6E6"/>
+      </a:lt2>
+      <a:accent1>
+        <a:srgbClr val="4472C4"/>
+      </a:accent1>
+      <a:accent2>
+        <a:srgbClr val="ED7D31"/>
+      </a:accent2>
+      <a:accent3>
+        <a:srgbClr val="A5A5A5"/>
+      </a:accent3>
+      <a:accent4>
+        <a:srgbClr val="FFC000"/>
+      </a:accent4>
+      <a:accent5>
+        <a:srgbClr val="5B9BD5"/>
+      </a:accent5>
+      <a:accent6>
+        <a:srgbClr val="70AD47"/>
+      </a:accent6>
+      <a:hlink>
+        <a:srgbClr val="0563C1"/>
+      </a:hlink>
+      <a:folHlink>
+        <a:srgbClr val="954F72"/>
+      </a:folHlink>
+    </a:clrScheme>
+    <a:fontScheme name="Office">
+      <a:majorFont>
+        <a:latin typeface="Arial"/>
+        <a:ea typeface=""/>
+        <a:cs typeface=""/>
+        <a:font script="Jpan" typeface="ＭＳ Ｐゴシック"/>
+        <a:font script="Hang" typeface="맑은 고딕"/>
+        <a:font script="Hans" typeface="宋体"/>
+        <a:font script="Hant" typeface="新細明體"/>
+        <a:font script="Arab" typeface="Times New Roman"/>
+        <a:font script="Hebr" typeface="Times New Roman"/>
+        <a:font script="Thai" typeface="Angsana New"/>
+        <a:font script="Ethi" typeface="Nyala"/>
+        <a:font script="Beng" typeface="Vrinda"/>
+        <a:font script="Gujr" typeface="Shruti"/>
+        <a:font script="Khmr" typeface="MoolBoran"/>
+        <a:font script="Knda" typeface="Tunga"/>
+        <a:font script="Guru" typeface="Raavi"/>
+        <a:font script="Cans" typeface="Euphemia"/>
+        <a:font script="Cher" typeface="Plantagenet Cherokee"/>
+        <a:font script="Yiii" typeface="Microsoft Yi Baiti"/>
+        <a:font script="Tibt" typeface="Microsoft Himalaya"/>
+        <a:font script="Thaa" typeface="MV Boli"/>
+        <a:font script="Deva" typeface="Mangal"/>
+        <a:font script="Telu" typeface="Gautami"/>
+        <a:font script="Taml" typeface="Latha"/>
+        <a:font script="Syrc" typeface="Estrangelo Edessa"/>
+        <a:font script="Orya" typeface="Kalinga"/>
+        <a:font script="Mlym" typeface="Kartika"/>
+        <a:font script="Laoo" typeface="DokChampa"/>
+        <a:font script="Sinh" typeface="Iskoola Pota"/>
+        <a:font script="Mong" typeface="Mongolian Baiti"/>
+        <a:font script="Viet" typeface="Times New Roman"/>
+        <a:font script="Uigh" typeface="Microsoft Uighur"/>
+        <a:font script="Geor" typeface="Sylfaen"/>
+      </a:majorFont>
+      <a:minorFont>
+        <a:latin typeface="Arial"/>
+        <a:ea typeface=""/>
+        <a:cs typeface=""/>
+        <a:font script="Jpan" typeface="ＭＳ Ｐゴシック"/>
+        <a:font script="Hang" typeface="맑은 고딕"/>
+        <a:font script="Hans" typeface="宋体"/>
+        <a:font script="Hant" typeface="新細明體"/>
+        <a:font script="Arab" typeface="Arial"/>
+        <a:font script="Hebr" typeface="Arial"/>
+        <a:font script="Thai" typeface="Cordia New"/>
+        <a:font script="Ethi" typeface="Nyala"/>
+        <a:font script="Beng" typeface="Vrinda"/>
+        <a:font script="Gujr" typeface="Shruti"/>
+        <a:font script="Khmr" typeface="DaunPenh"/>
+        <a:font script="Knda" typeface="Tunga"/>
+        <a:font script="Guru" typeface="Raavi"/>
+        <a:font script="Cans" typeface="Euphemia"/>
+        <a:font script="Cher" typeface="Plantagenet Cherokee"/>
+        <a:font script="Yiii" typeface="Microsoft Yi Baiti"/>
+        <a:font script="Tibt" typeface="Microsoft Himalaya"/>
+        <a:font script="Thaa" typeface="MV Boli"/>
+        <a:font script="Deva" typeface="Mangal"/>
+        <a:font script="Telu" typeface="Gautami"/>
+        <a:font script="Taml" typeface="Latha"/>
+        <a:font script="Syrc" typeface="Estrangelo Edessa"/>
+        <a:font script="Orya" typeface="Kalinga"/>
+        <a:font script="Mlym" typeface="Kartika"/>
+        <a:font script="Laoo" typeface="DokChampa"/>
+        <a:font script="Sinh" typeface="Iskoola Pota"/>
+        <a:font script="Mong" typeface="Mongolian Baiti"/>
+        <a:font script="Viet" typeface="Arial"/>
+        <a:font script="Uigh" typeface="Microsoft Uighur"/>
+        <a:font script="Geor" typeface="Sylfaen"/>
+      </a:minorFont>
+    </a:fontScheme>
+    <a:fmtScheme name="Office">
+      <a:fillStyleLst>
+        <a:solidFill>
+          <a:schemeClr val="phClr"/>
+        </a:solidFill>
+        <a:gradFill rotWithShape="1">
+          <a:gsLst>
+            <a:gs pos="0">
+              <a:schemeClr val="phClr">
+                <a:tint val="50000"/>
+                <a:satMod val="300000"/>
+              </a:schemeClr>
+            </a:gs>
+            <a:gs pos="35000">
+              <a:schemeClr val="phClr">
+                <a:tint val="37000"/>
+                <a:satMod val="300000"/>
+              </a:schemeClr>
+            </a:gs>
+            <a:gs pos="100000">
+              <a:schemeClr val="phClr">
+                <a:tint val="15000"/>
+                <a:satMod val="350000"/>
+              </a:schemeClr>
+            </a:gs>
+          </a:gsLst>
+          <a:lin ang="16200000" scaled="1"/>
+        </a:gradFill>
+        <a:gradFill rotWithShape="1">
+          <a:gsLst>
+            <a:gs pos="0">
+              <a:schemeClr val="phClr">
+                <a:tint val="100000"/>
+                <a:shade val="100000"/>
+                <a:satMod val="130000"/>
+              </a:schemeClr>
+            </a:gs>
+            <a:gs pos="100000">
+              <a:schemeClr val="phClr">
+                <a:tint val="50000"/>
+                <a:shade val="100000"/>
+                <a:satMod val="350000"/>
+              </a:schemeClr>
+            </a:gs>
+          </a:gsLst>
+          <a:lin ang="16200000" scaled="0"/>
+        </a:gradFill>
+      </a:fillStyleLst>
+      <a:lnStyleLst>
+        <a:ln w="9525" cap="flat" cmpd="sng" algn="ctr">
+          <a:solidFill>
+            <a:schemeClr val="phClr">
+              <a:shade val="95000"/>
+              <a:satMod val="105000"/>
+            </a:schemeClr>
+          </a:solidFill>
+          <a:prstDash val="solid"/>
+        </a:ln>
+        <a:ln w="25400" cap="flat" cmpd="sng" algn="ctr">
+          <a:solidFill>
+            <a:schemeClr val="phClr"/>
+          </a:solidFill>
+          <a:prstDash val="solid"/>
+        </a:ln>
+        <a:ln w="38100" cap="flat" cmpd="sng" algn="ctr">
+          <a:solidFill>
+            <a:schemeClr val="phClr"/>
+          </a:solidFill>
+          <a:prstDash val="solid"/>
+        </a:ln>
+      </a:lnStyleLst>
+      <a:effectStyleLst>
+        <a:effectStyle>
+          <a:effectLst>
+            <a:outerShdw blurRad="40000" dist="20000" dir="5400000" rotWithShape="0">
+              <a:srgbClr val="000000">
+                <a:alpha val="38000"/>
+              </a:srgbClr>
+            </a:outerShdw>
+          </a:effectLst>
+        </a:effectStyle>
+        <a:effectStyle>
+          <a:effectLst>
+            <a:outerShdw blurRad="40000" dist="23000" dir="5400000" rotWithShape="0">
+              <a:srgbClr val="000000">
+                <a:alpha val="35000"/>
+              </a:srgbClr>
+            </a:outerShdw>
+          </a:effectLst>
+        </a:effectStyle>
+        <a:effectStyle>
+          <a:effectLst>
+            <a:outerShdw blurRad="40000" dist="23000" dir="5400000" rotWithShape="0">
+              <a:srgbClr val="000000">
+                <a:alpha val="35000"/>
+              </a:srgbClr>
+            </a:outerShdw>
+          </a:effectLst>
+          <a:scene3d>
+            <a:camera prst="orthographicFront">
+              <a:rot lat="0" lon="0" rev="0"/>
+            </a:camera>
+            <a:lightRig rig="threePt" dir="t">
+              <a:rot lat="0" lon="0" rev="1200000"/>
+            </a:lightRig>
+          </a:scene3d>
+          <a:sp3d>
+            <a:bevelT w="63500" h="25400"/>
+          </a:sp3d>
+        </a:effectStyle>
+      </a:effectStyleLst>
+      <a:bgFillStyleLst>
+        <a:solidFill>
+          <a:schemeClr val="phClr"/>
+        </a:solidFill>
+        <a:gradFill rotWithShape="1">
+          <a:gsLst>
+            <a:gs pos="0">
+              <a:schemeClr val="phClr">
+                <a:tint val="40000"/>
+                <a:satMod val="350000"/>
+              </a:schemeClr>
+            </a:gs>
+            <a:gs pos="40000">
+              <a:schemeClr val="phClr">
+                <a:tint val="45000"/>
+                <a:shade val="99000"/>
+                <a:satMod val="350000"/>
+              </a:schemeClr>
+            </a:gs>
+            <a:gs pos="100000">
+              <a:schemeClr val="phClr">
+                <a:shade val="20000"/>
+                <a:satMod val="255000"/>
+              </a:schemeClr>
+            </a:gs>
+          </a:gsLst>
+          <a:path path="circle">
+            <a:fillToRect l="50000" t="-80000" r="50000" b="180000"/>
+          </a:path>
+        </a:gradFill>
+        <a:gradFill rotWithShape="1">
+          <a:gsLst>
+            <a:gs pos="0">
+              <a:schemeClr val="phClr">
+                <a:tint val="80000"/>
+                <a:satMod val="300000"/>
+              </a:schemeClr>
+            </a:gs>
+            <a:gs pos="100000">
+              <a:schemeClr val="phClr">
+                <a:shade val="30000"/>
+                <a:satMod val="200000"/>
+              </a:schemeClr>
+            </a:gs>
+          </a:gsLst>
+          <a:path path="circle">
+            <a:fillToRect l="50000" t="50000" r="50000" b="50000"/>
+          </a:path>
+        </a:gradFill>
+      </a:bgFillStyleLst>
+    </a:fmtScheme>
+  </a:themeElements>
+</a:theme>
+</file>
+
+<file path=ppt/theme/theme2.xml><?xml version="1.0" encoding="utf-8"?>
 <a:theme xmlns:a="http://schemas.openxmlformats.org/drawingml/2006/main" xmlns:r="http://schemas.openxmlformats.org/officeDocument/2006/relationships">
   <a:themeElements>
     <a:clrScheme name="Default">
@@ -15898,283 +16181,4 @@
     </a:fmtScheme>
   </a:themeElements>
 </a:theme>
-</file>
-
-<file path=ppt/theme/theme2.xml><?xml version="1.0" encoding="utf-8"?>
-<a:theme xmlns:a="http://schemas.openxmlformats.org/drawingml/2006/main" xmlns:r="http://schemas.openxmlformats.org/officeDocument/2006/relationships" name="Office Theme">
-  <a:themeElements>
-    <a:clrScheme name="Office">
-      <a:dk1>
-        <a:srgbClr val="000000"/>
-      </a:dk1>
-      <a:lt1>
-        <a:srgbClr val="FFFFFF"/>
-      </a:lt1>
-      <a:dk2>
-        <a:srgbClr val="44546A"/>
-      </a:dk2>
-      <a:lt2>
-        <a:srgbClr val="E7E6E6"/>
-      </a:lt2>
-      <a:accent1>
-        <a:srgbClr val="4472C4"/>
-      </a:accent1>
-      <a:accent2>
-        <a:srgbClr val="ED7D31"/>
-      </a:accent2>
-      <a:accent3>
-        <a:srgbClr val="A5A5A5"/>
-      </a:accent3>
-      <a:accent4>
-        <a:srgbClr val="FFC000"/>
-      </a:accent4>
-      <a:accent5>
-        <a:srgbClr val="5B9BD5"/>
-      </a:accent5>
-      <a:accent6>
-        <a:srgbClr val="70AD47"/>
-      </a:accent6>
-      <a:hlink>
-        <a:srgbClr val="0563C1"/>
-      </a:hlink>
-      <a:folHlink>
-        <a:srgbClr val="954F72"/>
-      </a:folHlink>
-    </a:clrScheme>
-    <a:fontScheme name="Office">
-      <a:majorFont>
-        <a:latin typeface="Arial"/>
-        <a:ea typeface=""/>
-        <a:cs typeface=""/>
-        <a:font script="Jpan" typeface="ＭＳ Ｐゴシック"/>
-        <a:font script="Hang" typeface="맑은 고딕"/>
-        <a:font script="Hans" typeface="宋体"/>
-        <a:font script="Hant" typeface="新細明體"/>
-        <a:font script="Arab" typeface="Times New Roman"/>
-        <a:font script="Hebr" typeface="Times New Roman"/>
-        <a:font script="Thai" typeface="Angsana New"/>
-        <a:font script="Ethi" typeface="Nyala"/>
-        <a:font script="Beng" typeface="Vrinda"/>
-        <a:font script="Gujr" typeface="Shruti"/>
-        <a:font script="Khmr" typeface="MoolBoran"/>
-        <a:font script="Knda" typeface="Tunga"/>
-        <a:font script="Guru" typeface="Raavi"/>
-        <a:font script="Cans" typeface="Euphemia"/>
-        <a:font script="Cher" typeface="Plantagenet Cherokee"/>
-        <a:font script="Yiii" typeface="Microsoft Yi Baiti"/>
-        <a:font script="Tibt" typeface="Microsoft Himalaya"/>
-        <a:font script="Thaa" typeface="MV Boli"/>
-        <a:font script="Deva" typeface="Mangal"/>
-        <a:font script="Telu" typeface="Gautami"/>
-        <a:font script="Taml" typeface="Latha"/>
-        <a:font script="Syrc" typeface="Estrangelo Edessa"/>
-        <a:font script="Orya" typeface="Kalinga"/>
-        <a:font script="Mlym" typeface="Kartika"/>
-        <a:font script="Laoo" typeface="DokChampa"/>
-        <a:font script="Sinh" typeface="Iskoola Pota"/>
-        <a:font script="Mong" typeface="Mongolian Baiti"/>
-        <a:font script="Viet" typeface="Times New Roman"/>
-        <a:font script="Uigh" typeface="Microsoft Uighur"/>
-        <a:font script="Geor" typeface="Sylfaen"/>
-      </a:majorFont>
-      <a:minorFont>
-        <a:latin typeface="Arial"/>
-        <a:ea typeface=""/>
-        <a:cs typeface=""/>
-        <a:font script="Jpan" typeface="ＭＳ Ｐゴシック"/>
-        <a:font script="Hang" typeface="맑은 고딕"/>
-        <a:font script="Hans" typeface="宋体"/>
-        <a:font script="Hant" typeface="新細明體"/>
-        <a:font script="Arab" typeface="Arial"/>
-        <a:font script="Hebr" typeface="Arial"/>
-        <a:font script="Thai" typeface="Cordia New"/>
-        <a:font script="Ethi" typeface="Nyala"/>
-        <a:font script="Beng" typeface="Vrinda"/>
-        <a:font script="Gujr" typeface="Shruti"/>
-        <a:font script="Khmr" typeface="DaunPenh"/>
-        <a:font script="Knda" typeface="Tunga"/>
-        <a:font script="Guru" typeface="Raavi"/>
-        <a:font script="Cans" typeface="Euphemia"/>
-        <a:font script="Cher" typeface="Plantagenet Cherokee"/>
-        <a:font script="Yiii" typeface="Microsoft Yi Baiti"/>
-        <a:font script="Tibt" typeface="Microsoft Himalaya"/>
-        <a:font script="Thaa" typeface="MV Boli"/>
-        <a:font script="Deva" typeface="Mangal"/>
-        <a:font script="Telu" typeface="Gautami"/>
-        <a:font script="Taml" typeface="Latha"/>
-        <a:font script="Syrc" typeface="Estrangelo Edessa"/>
-        <a:font script="Orya" typeface="Kalinga"/>
-        <a:font script="Mlym" typeface="Kartika"/>
-        <a:font script="Laoo" typeface="DokChampa"/>
-        <a:font script="Sinh" typeface="Iskoola Pota"/>
-        <a:font script="Mong" typeface="Mongolian Baiti"/>
-        <a:font script="Viet" typeface="Arial"/>
-        <a:font script="Uigh" typeface="Microsoft Uighur"/>
-        <a:font script="Geor" typeface="Sylfaen"/>
-      </a:minorFont>
-    </a:fontScheme>
-    <a:fmtScheme name="Office">
-      <a:fillStyleLst>
-        <a:solidFill>
-          <a:schemeClr val="phClr"/>
-        </a:solidFill>
-        <a:gradFill rotWithShape="1">
-          <a:gsLst>
-            <a:gs pos="0">
-              <a:schemeClr val="phClr">
-                <a:tint val="50000"/>
-                <a:satMod val="300000"/>
-              </a:schemeClr>
-            </a:gs>
-            <a:gs pos="35000">
-              <a:schemeClr val="phClr">
-                <a:tint val="37000"/>
-                <a:satMod val="300000"/>
-              </a:schemeClr>
-            </a:gs>
-            <a:gs pos="100000">
-              <a:schemeClr val="phClr">
-                <a:tint val="15000"/>
-                <a:satMod val="350000"/>
-              </a:schemeClr>
-            </a:gs>
-          </a:gsLst>
-          <a:lin ang="16200000" scaled="1"/>
-        </a:gradFill>
-        <a:gradFill rotWithShape="1">
-          <a:gsLst>
-            <a:gs pos="0">
-              <a:schemeClr val="phClr">
-                <a:tint val="100000"/>
-                <a:shade val="100000"/>
-                <a:satMod val="130000"/>
-              </a:schemeClr>
-            </a:gs>
-            <a:gs pos="100000">
-              <a:schemeClr val="phClr">
-                <a:tint val="50000"/>
-                <a:shade val="100000"/>
-                <a:satMod val="350000"/>
-              </a:schemeClr>
-            </a:gs>
-          </a:gsLst>
-          <a:lin ang="16200000" scaled="0"/>
-        </a:gradFill>
-      </a:fillStyleLst>
-      <a:lnStyleLst>
-        <a:ln w="9525" cap="flat" cmpd="sng" algn="ctr">
-          <a:solidFill>
-            <a:schemeClr val="phClr">
-              <a:shade val="95000"/>
-              <a:satMod val="105000"/>
-            </a:schemeClr>
-          </a:solidFill>
-          <a:prstDash val="solid"/>
-        </a:ln>
-        <a:ln w="25400" cap="flat" cmpd="sng" algn="ctr">
-          <a:solidFill>
-            <a:schemeClr val="phClr"/>
-          </a:solidFill>
-          <a:prstDash val="solid"/>
-        </a:ln>
-        <a:ln w="38100" cap="flat" cmpd="sng" algn="ctr">
-          <a:solidFill>
-            <a:schemeClr val="phClr"/>
-          </a:solidFill>
-          <a:prstDash val="solid"/>
-        </a:ln>
-      </a:lnStyleLst>
-      <a:effectStyleLst>
-        <a:effectStyle>
-          <a:effectLst>
-            <a:outerShdw blurRad="40000" dist="20000" dir="5400000" rotWithShape="0">
-              <a:srgbClr val="000000">
-                <a:alpha val="38000"/>
-              </a:srgbClr>
-            </a:outerShdw>
-          </a:effectLst>
-        </a:effectStyle>
-        <a:effectStyle>
-          <a:effectLst>
-            <a:outerShdw blurRad="40000" dist="23000" dir="5400000" rotWithShape="0">
-              <a:srgbClr val="000000">
-                <a:alpha val="35000"/>
-              </a:srgbClr>
-            </a:outerShdw>
-          </a:effectLst>
-        </a:effectStyle>
-        <a:effectStyle>
-          <a:effectLst>
-            <a:outerShdw blurRad="40000" dist="23000" dir="5400000" rotWithShape="0">
-              <a:srgbClr val="000000">
-                <a:alpha val="35000"/>
-              </a:srgbClr>
-            </a:outerShdw>
-          </a:effectLst>
-          <a:scene3d>
-            <a:camera prst="orthographicFront">
-              <a:rot lat="0" lon="0" rev="0"/>
-            </a:camera>
-            <a:lightRig rig="threePt" dir="t">
-              <a:rot lat="0" lon="0" rev="1200000"/>
-            </a:lightRig>
-          </a:scene3d>
-          <a:sp3d>
-            <a:bevelT w="63500" h="25400"/>
-          </a:sp3d>
-        </a:effectStyle>
-      </a:effectStyleLst>
-      <a:bgFillStyleLst>
-        <a:solidFill>
-          <a:schemeClr val="phClr"/>
-        </a:solidFill>
-        <a:gradFill rotWithShape="1">
-          <a:gsLst>
-            <a:gs pos="0">
-              <a:schemeClr val="phClr">
-                <a:tint val="40000"/>
-                <a:satMod val="350000"/>
-              </a:schemeClr>
-            </a:gs>
-            <a:gs pos="40000">
-              <a:schemeClr val="phClr">
-                <a:tint val="45000"/>
-                <a:shade val="99000"/>
-                <a:satMod val="350000"/>
-              </a:schemeClr>
-            </a:gs>
-            <a:gs pos="100000">
-              <a:schemeClr val="phClr">
-                <a:shade val="20000"/>
-                <a:satMod val="255000"/>
-              </a:schemeClr>
-            </a:gs>
-          </a:gsLst>
-          <a:path path="circle">
-            <a:fillToRect l="50000" t="-80000" r="50000" b="180000"/>
-          </a:path>
-        </a:gradFill>
-        <a:gradFill rotWithShape="1">
-          <a:gsLst>
-            <a:gs pos="0">
-              <a:schemeClr val="phClr">
-                <a:tint val="80000"/>
-                <a:satMod val="300000"/>
-              </a:schemeClr>
-            </a:gs>
-            <a:gs pos="100000">
-              <a:schemeClr val="phClr">
-                <a:shade val="30000"/>
-                <a:satMod val="200000"/>
-              </a:schemeClr>
-            </a:gs>
-          </a:gsLst>
-          <a:path path="circle">
-            <a:fillToRect l="50000" t="50000" r="50000" b="50000"/>
-          </a:path>
-        </a:gradFill>
-      </a:bgFillStyleLst>
-    </a:fmtScheme>
-  </a:themeElements>
-</a:theme>
 </file>
--- a/Kingdom Prediction.pptx
+++ b/Kingdom Prediction.pptx
@@ -255,7 +255,7 @@
   </p:defaultTextStyle>
   <p:extLst>
     <p:ext uri="http://customooxmlschemas.google.com/">
-      <go:slidesCustomData xmlns:go="http://customooxmlschemas.google.com/" r:id="rId19" roundtripDataSignature="AMtx7mgQDZyH8UdOYtg7y5wa3Jvv4BlfYA=="/>
+      <go:slidesCustomData xmlns:go="http://customooxmlschemas.google.com/" r:id="rId19" roundtripDataSignature="AMtx7mhHcTrd8y2bAbbiyUIZylUwFpsrUQ=="/>
     </p:ext>
   </p:extLst>
 </p:presentation>
@@ -791,7 +791,7 @@
   <p:cSld>
     <p:spTree>
       <p:nvGrpSpPr>
-        <p:cNvPr id="153" name="Shape 153"/>
+        <p:cNvPr id="154" name="Shape 154"/>
         <p:cNvGrpSpPr/>
         <p:nvPr/>
       </p:nvGrpSpPr>
@@ -805,7 +805,7 @@
       </p:grpSpPr>
       <p:sp>
         <p:nvSpPr>
-          <p:cNvPr id="154" name="Google Shape;154;g18457aeeca1_7_0:notes"/>
+          <p:cNvPr id="155" name="Google Shape;155;g18457aeeca1_7_0:notes"/>
           <p:cNvSpPr/>
           <p:nvPr>
             <p:ph idx="2" type="sldImg"/>
@@ -840,7 +840,7 @@
       </p:sp>
       <p:sp>
         <p:nvSpPr>
-          <p:cNvPr id="155" name="Google Shape;155;g18457aeeca1_7_0:notes"/>
+          <p:cNvPr id="156" name="Google Shape;156;g18457aeeca1_7_0:notes"/>
           <p:cNvSpPr txBox="1"/>
           <p:nvPr>
             <p:ph idx="1" type="body"/>
@@ -890,7 +890,7 @@
   <p:cSld>
     <p:spTree>
       <p:nvGrpSpPr>
-        <p:cNvPr id="160" name="Shape 160"/>
+        <p:cNvPr id="161" name="Shape 161"/>
         <p:cNvGrpSpPr/>
         <p:nvPr/>
       </p:nvGrpSpPr>
@@ -904,7 +904,7 @@
       </p:grpSpPr>
       <p:sp>
         <p:nvSpPr>
-          <p:cNvPr id="161" name="Google Shape;161;p12:notes"/>
+          <p:cNvPr id="162" name="Google Shape;162;p12:notes"/>
           <p:cNvSpPr txBox="1"/>
           <p:nvPr>
             <p:ph idx="1" type="body"/>
@@ -943,7 +943,7 @@
       </p:sp>
       <p:sp>
         <p:nvSpPr>
-          <p:cNvPr id="162" name="Google Shape;162;p12:notes"/>
+          <p:cNvPr id="163" name="Google Shape;163;p12:notes"/>
           <p:cNvSpPr/>
           <p:nvPr>
             <p:ph idx="2" type="sldImg"/>
@@ -989,7 +989,7 @@
   <p:cSld>
     <p:spTree>
       <p:nvGrpSpPr>
-        <p:cNvPr id="168" name="Shape 168"/>
+        <p:cNvPr id="169" name="Shape 169"/>
         <p:cNvGrpSpPr/>
         <p:nvPr/>
       </p:nvGrpSpPr>
@@ -1003,7 +1003,7 @@
       </p:grpSpPr>
       <p:sp>
         <p:nvSpPr>
-          <p:cNvPr id="169" name="Google Shape;169;p13:notes"/>
+          <p:cNvPr id="170" name="Google Shape;170;p13:notes"/>
           <p:cNvSpPr txBox="1"/>
           <p:nvPr>
             <p:ph idx="1" type="body"/>
@@ -1042,7 +1042,7 @@
       </p:sp>
       <p:sp>
         <p:nvSpPr>
-          <p:cNvPr id="170" name="Google Shape;170;p13:notes"/>
+          <p:cNvPr id="171" name="Google Shape;171;p13:notes"/>
           <p:cNvSpPr/>
           <p:nvPr>
             <p:ph idx="2" type="sldImg"/>
@@ -1088,7 +1088,7 @@
   <p:cSld>
     <p:spTree>
       <p:nvGrpSpPr>
-        <p:cNvPr id="179" name="Shape 179"/>
+        <p:cNvPr id="180" name="Shape 180"/>
         <p:cNvGrpSpPr/>
         <p:nvPr/>
       </p:nvGrpSpPr>
@@ -1102,7 +1102,7 @@
       </p:grpSpPr>
       <p:sp>
         <p:nvSpPr>
-          <p:cNvPr id="180" name="Google Shape;180;p14:notes"/>
+          <p:cNvPr id="181" name="Google Shape;181;p14:notes"/>
           <p:cNvSpPr txBox="1"/>
           <p:nvPr>
             <p:ph idx="1" type="body"/>
@@ -1141,7 +1141,7 @@
       </p:sp>
       <p:sp>
         <p:nvSpPr>
-          <p:cNvPr id="181" name="Google Shape;181;p14:notes"/>
+          <p:cNvPr id="182" name="Google Shape;182;p14:notes"/>
           <p:cNvSpPr/>
           <p:nvPr>
             <p:ph idx="2" type="sldImg"/>
@@ -1286,7 +1286,7 @@
   <p:cSld>
     <p:spTree>
       <p:nvGrpSpPr>
-        <p:cNvPr id="92" name="Shape 92"/>
+        <p:cNvPr id="93" name="Shape 93"/>
         <p:cNvGrpSpPr/>
         <p:nvPr/>
       </p:nvGrpSpPr>
@@ -1300,7 +1300,7 @@
       </p:grpSpPr>
       <p:sp>
         <p:nvSpPr>
-          <p:cNvPr id="93" name="Google Shape;93;p3:notes"/>
+          <p:cNvPr id="94" name="Google Shape;94;p3:notes"/>
           <p:cNvSpPr txBox="1"/>
           <p:nvPr>
             <p:ph idx="1" type="body"/>
@@ -1339,7 +1339,7 @@
       </p:sp>
       <p:sp>
         <p:nvSpPr>
-          <p:cNvPr id="94" name="Google Shape;94;p3:notes"/>
+          <p:cNvPr id="95" name="Google Shape;95;p3:notes"/>
           <p:cNvSpPr/>
           <p:nvPr>
             <p:ph idx="2" type="sldImg"/>
@@ -1385,7 +1385,7 @@
   <p:cSld>
     <p:spTree>
       <p:nvGrpSpPr>
-        <p:cNvPr id="98" name="Shape 98"/>
+        <p:cNvPr id="99" name="Shape 99"/>
         <p:cNvGrpSpPr/>
         <p:nvPr/>
       </p:nvGrpSpPr>
@@ -1399,7 +1399,7 @@
       </p:grpSpPr>
       <p:sp>
         <p:nvSpPr>
-          <p:cNvPr id="99" name="Google Shape;99;p4:notes"/>
+          <p:cNvPr id="100" name="Google Shape;100;p4:notes"/>
           <p:cNvSpPr txBox="1"/>
           <p:nvPr>
             <p:ph idx="1" type="body"/>
@@ -1438,7 +1438,7 @@
       </p:sp>
       <p:sp>
         <p:nvSpPr>
-          <p:cNvPr id="100" name="Google Shape;100;p4:notes"/>
+          <p:cNvPr id="101" name="Google Shape;101;p4:notes"/>
           <p:cNvSpPr/>
           <p:nvPr>
             <p:ph idx="2" type="sldImg"/>
@@ -1484,7 +1484,7 @@
   <p:cSld>
     <p:spTree>
       <p:nvGrpSpPr>
-        <p:cNvPr id="105" name="Shape 105"/>
+        <p:cNvPr id="106" name="Shape 106"/>
         <p:cNvGrpSpPr/>
         <p:nvPr/>
       </p:nvGrpSpPr>
@@ -1498,7 +1498,7 @@
       </p:grpSpPr>
       <p:sp>
         <p:nvSpPr>
-          <p:cNvPr id="106" name="Google Shape;106;p5:notes"/>
+          <p:cNvPr id="107" name="Google Shape;107;p5:notes"/>
           <p:cNvSpPr txBox="1"/>
           <p:nvPr>
             <p:ph idx="1" type="body"/>
@@ -1537,7 +1537,7 @@
       </p:sp>
       <p:sp>
         <p:nvSpPr>
-          <p:cNvPr id="107" name="Google Shape;107;p5:notes"/>
+          <p:cNvPr id="108" name="Google Shape;108;p5:notes"/>
           <p:cNvSpPr/>
           <p:nvPr>
             <p:ph idx="2" type="sldImg"/>
@@ -1583,7 +1583,7 @@
   <p:cSld>
     <p:spTree>
       <p:nvGrpSpPr>
-        <p:cNvPr id="112" name="Shape 112"/>
+        <p:cNvPr id="113" name="Shape 113"/>
         <p:cNvGrpSpPr/>
         <p:nvPr/>
       </p:nvGrpSpPr>
@@ -1597,7 +1597,7 @@
       </p:grpSpPr>
       <p:sp>
         <p:nvSpPr>
-          <p:cNvPr id="113" name="Google Shape;113;p7:notes"/>
+          <p:cNvPr id="114" name="Google Shape;114;p7:notes"/>
           <p:cNvSpPr txBox="1"/>
           <p:nvPr>
             <p:ph idx="1" type="body"/>
@@ -1636,7 +1636,7 @@
       </p:sp>
       <p:sp>
         <p:nvSpPr>
-          <p:cNvPr id="114" name="Google Shape;114;p7:notes"/>
+          <p:cNvPr id="115" name="Google Shape;115;p7:notes"/>
           <p:cNvSpPr/>
           <p:nvPr>
             <p:ph idx="2" type="sldImg"/>
@@ -1682,7 +1682,7 @@
   <p:cSld>
     <p:spTree>
       <p:nvGrpSpPr>
-        <p:cNvPr id="119" name="Shape 119"/>
+        <p:cNvPr id="120" name="Shape 120"/>
         <p:cNvGrpSpPr/>
         <p:nvPr/>
       </p:nvGrpSpPr>
@@ -1696,7 +1696,7 @@
       </p:grpSpPr>
       <p:sp>
         <p:nvSpPr>
-          <p:cNvPr id="120" name="Google Shape;120;p9:notes"/>
+          <p:cNvPr id="121" name="Google Shape;121;p9:notes"/>
           <p:cNvSpPr txBox="1"/>
           <p:nvPr>
             <p:ph idx="1" type="body"/>
@@ -1735,7 +1735,7 @@
       </p:sp>
       <p:sp>
         <p:nvSpPr>
-          <p:cNvPr id="121" name="Google Shape;121;p9:notes"/>
+          <p:cNvPr id="122" name="Google Shape;122;p9:notes"/>
           <p:cNvSpPr/>
           <p:nvPr>
             <p:ph idx="2" type="sldImg"/>
@@ -1781,7 +1781,7 @@
   <p:cSld>
     <p:spTree>
       <p:nvGrpSpPr>
-        <p:cNvPr id="125" name="Shape 125"/>
+        <p:cNvPr id="126" name="Shape 126"/>
         <p:cNvGrpSpPr/>
         <p:nvPr/>
       </p:nvGrpSpPr>
@@ -1795,7 +1795,7 @@
       </p:grpSpPr>
       <p:sp>
         <p:nvSpPr>
-          <p:cNvPr id="126" name="Google Shape;126;p10:notes"/>
+          <p:cNvPr id="127" name="Google Shape;127;p10:notes"/>
           <p:cNvSpPr txBox="1"/>
           <p:nvPr>
             <p:ph idx="1" type="body"/>
@@ -1834,7 +1834,7 @@
       </p:sp>
       <p:sp>
         <p:nvSpPr>
-          <p:cNvPr id="127" name="Google Shape;127;p10:notes"/>
+          <p:cNvPr id="128" name="Google Shape;128;p10:notes"/>
           <p:cNvSpPr/>
           <p:nvPr>
             <p:ph idx="2" type="sldImg"/>
@@ -1880,7 +1880,7 @@
   <p:cSld>
     <p:spTree>
       <p:nvGrpSpPr>
-        <p:cNvPr id="146" name="Shape 146"/>
+        <p:cNvPr id="147" name="Shape 147"/>
         <p:cNvGrpSpPr/>
         <p:nvPr/>
       </p:nvGrpSpPr>
@@ -1894,7 +1894,7 @@
       </p:grpSpPr>
       <p:sp>
         <p:nvSpPr>
-          <p:cNvPr id="147" name="Google Shape;147;p11:notes"/>
+          <p:cNvPr id="148" name="Google Shape;148;p11:notes"/>
           <p:cNvSpPr txBox="1"/>
           <p:nvPr>
             <p:ph idx="1" type="body"/>
@@ -1933,7 +1933,7 @@
       </p:sp>
       <p:sp>
         <p:nvSpPr>
-          <p:cNvPr id="148" name="Google Shape;148;p11:notes"/>
+          <p:cNvPr id="149" name="Google Shape;149;p11:notes"/>
           <p:cNvSpPr/>
           <p:nvPr>
             <p:ph idx="2" type="sldImg"/>
@@ -12122,7 +12122,7 @@
   <p:cSld>
     <p:spTree>
       <p:nvGrpSpPr>
-        <p:cNvPr id="156" name="Shape 156"/>
+        <p:cNvPr id="157" name="Shape 157"/>
         <p:cNvGrpSpPr/>
         <p:nvPr/>
       </p:nvGrpSpPr>
@@ -12136,7 +12136,7 @@
       </p:grpSpPr>
       <p:sp>
         <p:nvSpPr>
-          <p:cNvPr id="157" name="Google Shape;157;g18457aeeca1_7_0"/>
+          <p:cNvPr id="158" name="Google Shape;158;g18457aeeca1_7_0"/>
           <p:cNvSpPr txBox="1"/>
           <p:nvPr>
             <p:ph type="title"/>
@@ -12176,7 +12176,7 @@
       </p:sp>
       <p:pic>
         <p:nvPicPr>
-          <p:cNvPr id="158" name="Google Shape;158;g18457aeeca1_7_0"/>
+          <p:cNvPr id="159" name="Google Shape;159;g18457aeeca1_7_0"/>
           <p:cNvPicPr preferRelativeResize="0"/>
           <p:nvPr/>
         </p:nvPicPr>
@@ -12204,7 +12204,7 @@
       </p:pic>
       <p:sp>
         <p:nvSpPr>
-          <p:cNvPr id="159" name="Google Shape;159;g18457aeeca1_7_0"/>
+          <p:cNvPr id="160" name="Google Shape;160;g18457aeeca1_7_0"/>
           <p:cNvSpPr txBox="1"/>
           <p:nvPr/>
         </p:nvSpPr>
@@ -12289,7 +12289,7 @@
   <p:cSld>
     <p:spTree>
       <p:nvGrpSpPr>
-        <p:cNvPr id="163" name="Shape 163"/>
+        <p:cNvPr id="164" name="Shape 164"/>
         <p:cNvGrpSpPr/>
         <p:nvPr/>
       </p:nvGrpSpPr>
@@ -12303,7 +12303,7 @@
       </p:grpSpPr>
       <p:sp>
         <p:nvSpPr>
-          <p:cNvPr id="164" name="Google Shape;164;p12"/>
+          <p:cNvPr id="165" name="Google Shape;165;p12"/>
           <p:cNvSpPr txBox="1"/>
           <p:nvPr>
             <p:ph type="title"/>
@@ -12355,7 +12355,7 @@
       </p:sp>
       <p:sp>
         <p:nvSpPr>
-          <p:cNvPr id="165" name="Google Shape;165;p12"/>
+          <p:cNvPr id="166" name="Google Shape;166;p12"/>
           <p:cNvSpPr txBox="1"/>
           <p:nvPr>
             <p:ph idx="1" type="body"/>
@@ -12482,7 +12482,7 @@
       </p:sp>
       <p:pic>
         <p:nvPicPr>
-          <p:cNvPr id="166" name="Google Shape;166;p12"/>
+          <p:cNvPr id="167" name="Google Shape;167;p12"/>
           <p:cNvPicPr preferRelativeResize="0"/>
           <p:nvPr/>
         </p:nvPicPr>
@@ -12510,7 +12510,7 @@
       </p:pic>
       <p:sp>
         <p:nvSpPr>
-          <p:cNvPr id="167" name="Google Shape;167;p12"/>
+          <p:cNvPr id="168" name="Google Shape;168;p12"/>
           <p:cNvSpPr txBox="1"/>
           <p:nvPr/>
         </p:nvSpPr>
@@ -12595,7 +12595,7 @@
   <p:cSld>
     <p:spTree>
       <p:nvGrpSpPr>
-        <p:cNvPr id="171" name="Shape 171"/>
+        <p:cNvPr id="172" name="Shape 172"/>
         <p:cNvGrpSpPr/>
         <p:nvPr/>
       </p:nvGrpSpPr>
@@ -12609,7 +12609,7 @@
       </p:grpSpPr>
       <p:sp>
         <p:nvSpPr>
-          <p:cNvPr id="172" name="Google Shape;172;p13"/>
+          <p:cNvPr id="173" name="Google Shape;173;p13"/>
           <p:cNvSpPr txBox="1"/>
           <p:nvPr>
             <p:ph type="title"/>
@@ -12661,7 +12661,7 @@
       </p:sp>
       <p:sp>
         <p:nvSpPr>
-          <p:cNvPr id="173" name="Google Shape;173;p13"/>
+          <p:cNvPr id="174" name="Google Shape;174;p13"/>
           <p:cNvSpPr txBox="1"/>
           <p:nvPr>
             <p:ph idx="1" type="body"/>
@@ -12777,7 +12777,7 @@
       </p:sp>
       <p:grpSp>
         <p:nvGrpSpPr>
-          <p:cNvPr id="174" name="Google Shape;174;p13"/>
+          <p:cNvPr id="175" name="Google Shape;175;p13"/>
           <p:cNvGrpSpPr/>
           <p:nvPr/>
         </p:nvGrpSpPr>
@@ -12791,7 +12791,7 @@
         </p:grpSpPr>
         <p:pic>
           <p:nvPicPr>
-            <p:cNvPr id="175" name="Google Shape;175;p13"/>
+            <p:cNvPr id="176" name="Google Shape;176;p13"/>
             <p:cNvPicPr preferRelativeResize="0"/>
             <p:nvPr/>
           </p:nvPicPr>
@@ -12819,7 +12819,7 @@
         </p:pic>
         <p:sp>
           <p:nvSpPr>
-            <p:cNvPr id="176" name="Google Shape;176;p13"/>
+            <p:cNvPr id="177" name="Google Shape;177;p13"/>
             <p:cNvSpPr txBox="1"/>
             <p:nvPr/>
           </p:nvSpPr>
@@ -12871,7 +12871,7 @@
         </p:sp>
         <p:sp>
           <p:nvSpPr>
-            <p:cNvPr id="177" name="Google Shape;177;p13"/>
+            <p:cNvPr id="178" name="Google Shape;178;p13"/>
             <p:cNvSpPr txBox="1"/>
             <p:nvPr/>
           </p:nvSpPr>
@@ -12923,7 +12923,7 @@
         </p:sp>
         <p:sp>
           <p:nvSpPr>
-            <p:cNvPr id="178" name="Google Shape;178;p13"/>
+            <p:cNvPr id="179" name="Google Shape;179;p13"/>
             <p:cNvSpPr txBox="1"/>
             <p:nvPr/>
           </p:nvSpPr>
@@ -12987,7 +12987,7 @@
   <p:cSld>
     <p:spTree>
       <p:nvGrpSpPr>
-        <p:cNvPr id="182" name="Shape 182"/>
+        <p:cNvPr id="183" name="Shape 183"/>
         <p:cNvGrpSpPr/>
         <p:nvPr/>
       </p:nvGrpSpPr>
@@ -13001,7 +13001,7 @@
       </p:grpSpPr>
       <p:sp>
         <p:nvSpPr>
-          <p:cNvPr id="183" name="Google Shape;183;p14"/>
+          <p:cNvPr id="184" name="Google Shape;184;p14"/>
           <p:cNvSpPr txBox="1"/>
           <p:nvPr>
             <p:ph type="title"/>
@@ -13053,7 +13053,7 @@
       </p:sp>
       <p:sp>
         <p:nvSpPr>
-          <p:cNvPr id="184" name="Google Shape;184;p14"/>
+          <p:cNvPr id="185" name="Google Shape;185;p14"/>
           <p:cNvSpPr txBox="1"/>
           <p:nvPr>
             <p:ph idx="1" type="body"/>
@@ -13347,8 +13347,36 @@
         </p:blipFill>
         <p:spPr>
           <a:xfrm>
-            <a:off x="4310062" y="1887618"/>
-            <a:ext cx="3571875" cy="3571875"/>
+            <a:off x="6661662" y="1944943"/>
+            <a:ext cx="3571800" cy="3571800"/>
+          </a:xfrm>
+          <a:prstGeom prst="rect">
+            <a:avLst/>
+          </a:prstGeom>
+          <a:noFill/>
+          <a:ln>
+            <a:noFill/>
+          </a:ln>
+        </p:spPr>
+      </p:pic>
+      <p:pic>
+        <p:nvPicPr>
+          <p:cNvPr id="92" name="Google Shape;92;p2"/>
+          <p:cNvPicPr preferRelativeResize="0"/>
+          <p:nvPr/>
+        </p:nvPicPr>
+        <p:blipFill>
+          <a:blip r:embed="rId4">
+            <a:alphaModFix/>
+          </a:blip>
+          <a:stretch>
+            <a:fillRect/>
+          </a:stretch>
+        </p:blipFill>
+        <p:spPr>
+          <a:xfrm>
+            <a:off x="1595049" y="1944951"/>
+            <a:ext cx="3571800" cy="3571800"/>
           </a:xfrm>
           <a:prstGeom prst="rect">
             <a:avLst/>
@@ -13372,7 +13400,7 @@
   <p:cSld>
     <p:spTree>
       <p:nvGrpSpPr>
-        <p:cNvPr id="95" name="Shape 95"/>
+        <p:cNvPr id="96" name="Shape 96"/>
         <p:cNvGrpSpPr/>
         <p:nvPr/>
       </p:nvGrpSpPr>
@@ -13386,7 +13414,7 @@
       </p:grpSpPr>
       <p:sp>
         <p:nvSpPr>
-          <p:cNvPr id="96" name="Google Shape;96;p3"/>
+          <p:cNvPr id="97" name="Google Shape;97;p3"/>
           <p:cNvSpPr txBox="1"/>
           <p:nvPr>
             <p:ph type="title"/>
@@ -13438,7 +13466,7 @@
       </p:sp>
       <p:sp>
         <p:nvSpPr>
-          <p:cNvPr id="97" name="Google Shape;97;p3"/>
+          <p:cNvPr id="98" name="Google Shape;98;p3"/>
           <p:cNvSpPr txBox="1"/>
           <p:nvPr>
             <p:ph idx="1" type="body"/>
@@ -13577,7 +13605,7 @@
   <p:cSld>
     <p:spTree>
       <p:nvGrpSpPr>
-        <p:cNvPr id="101" name="Shape 101"/>
+        <p:cNvPr id="102" name="Shape 102"/>
         <p:cNvGrpSpPr/>
         <p:nvPr/>
       </p:nvGrpSpPr>
@@ -13591,7 +13619,7 @@
       </p:grpSpPr>
       <p:sp>
         <p:nvSpPr>
-          <p:cNvPr id="102" name="Google Shape;102;p4"/>
+          <p:cNvPr id="103" name="Google Shape;103;p4"/>
           <p:cNvSpPr txBox="1"/>
           <p:nvPr>
             <p:ph type="title"/>
@@ -13643,7 +13671,7 @@
       </p:sp>
       <p:sp>
         <p:nvSpPr>
-          <p:cNvPr id="103" name="Google Shape;103;p4"/>
+          <p:cNvPr id="104" name="Google Shape;104;p4"/>
           <p:cNvSpPr txBox="1"/>
           <p:nvPr>
             <p:ph idx="1" type="body"/>
@@ -13811,7 +13839,7 @@
       </p:sp>
       <p:sp>
         <p:nvSpPr>
-          <p:cNvPr id="104" name="Google Shape;104;p4"/>
+          <p:cNvPr id="105" name="Google Shape;105;p4"/>
           <p:cNvSpPr txBox="1"/>
           <p:nvPr>
             <p:ph idx="1" type="body"/>
@@ -13956,7 +13984,7 @@
   <p:cSld>
     <p:spTree>
       <p:nvGrpSpPr>
-        <p:cNvPr id="108" name="Shape 108"/>
+        <p:cNvPr id="109" name="Shape 109"/>
         <p:cNvGrpSpPr/>
         <p:nvPr/>
       </p:nvGrpSpPr>
@@ -13970,7 +13998,7 @@
       </p:grpSpPr>
       <p:sp>
         <p:nvSpPr>
-          <p:cNvPr id="109" name="Google Shape;109;p5"/>
+          <p:cNvPr id="110" name="Google Shape;110;p5"/>
           <p:cNvSpPr txBox="1"/>
           <p:nvPr>
             <p:ph type="title"/>
@@ -14022,7 +14050,7 @@
       </p:sp>
       <p:pic>
         <p:nvPicPr>
-          <p:cNvPr id="110" name="Google Shape;110;p5"/>
+          <p:cNvPr id="111" name="Google Shape;111;p5"/>
           <p:cNvPicPr preferRelativeResize="0"/>
           <p:nvPr>
             <p:ph idx="1" type="body"/>
@@ -14051,7 +14079,7 @@
       </p:pic>
       <p:pic>
         <p:nvPicPr>
-          <p:cNvPr id="111" name="Google Shape;111;p5"/>
+          <p:cNvPr id="112" name="Google Shape;112;p5"/>
           <p:cNvPicPr preferRelativeResize="0"/>
           <p:nvPr>
             <p:ph idx="1" type="body"/>
@@ -14091,7 +14119,7 @@
   <p:cSld>
     <p:spTree>
       <p:nvGrpSpPr>
-        <p:cNvPr id="115" name="Shape 115"/>
+        <p:cNvPr id="116" name="Shape 116"/>
         <p:cNvGrpSpPr/>
         <p:nvPr/>
       </p:nvGrpSpPr>
@@ -14105,7 +14133,7 @@
       </p:grpSpPr>
       <p:sp>
         <p:nvSpPr>
-          <p:cNvPr id="116" name="Google Shape;116;p7"/>
+          <p:cNvPr id="117" name="Google Shape;117;p7"/>
           <p:cNvSpPr txBox="1"/>
           <p:nvPr>
             <p:ph type="title"/>
@@ -14157,7 +14185,7 @@
       </p:sp>
       <p:pic>
         <p:nvPicPr>
-          <p:cNvPr id="117" name="Google Shape;117;p7"/>
+          <p:cNvPr id="118" name="Google Shape;118;p7"/>
           <p:cNvPicPr preferRelativeResize="0"/>
           <p:nvPr>
             <p:ph idx="1" type="body"/>
@@ -14186,7 +14214,7 @@
       </p:pic>
       <p:pic>
         <p:nvPicPr>
-          <p:cNvPr id="118" name="Google Shape;118;p7"/>
+          <p:cNvPr id="119" name="Google Shape;119;p7"/>
           <p:cNvPicPr preferRelativeResize="0"/>
           <p:nvPr>
             <p:ph idx="1" type="body"/>
@@ -14226,7 +14254,7 @@
   <p:cSld>
     <p:spTree>
       <p:nvGrpSpPr>
-        <p:cNvPr id="122" name="Shape 122"/>
+        <p:cNvPr id="123" name="Shape 123"/>
         <p:cNvGrpSpPr/>
         <p:nvPr/>
       </p:nvGrpSpPr>
@@ -14240,7 +14268,7 @@
       </p:grpSpPr>
       <p:sp>
         <p:nvSpPr>
-          <p:cNvPr id="123" name="Google Shape;123;p9"/>
+          <p:cNvPr id="124" name="Google Shape;124;p9"/>
           <p:cNvSpPr txBox="1"/>
           <p:nvPr>
             <p:ph type="title"/>
@@ -14292,7 +14320,7 @@
       </p:sp>
       <p:pic>
         <p:nvPicPr>
-          <p:cNvPr id="124" name="Google Shape;124;p9"/>
+          <p:cNvPr id="125" name="Google Shape;125;p9"/>
           <p:cNvPicPr preferRelativeResize="0"/>
           <p:nvPr>
             <p:ph idx="1" type="body"/>
@@ -14332,7 +14360,7 @@
   <p:cSld>
     <p:spTree>
       <p:nvGrpSpPr>
-        <p:cNvPr id="128" name="Shape 128"/>
+        <p:cNvPr id="129" name="Shape 129"/>
         <p:cNvGrpSpPr/>
         <p:nvPr/>
       </p:nvGrpSpPr>
@@ -14346,7 +14374,7 @@
       </p:grpSpPr>
       <p:sp>
         <p:nvSpPr>
-          <p:cNvPr id="129" name="Google Shape;129;p10"/>
+          <p:cNvPr id="130" name="Google Shape;130;p10"/>
           <p:cNvSpPr txBox="1"/>
           <p:nvPr>
             <p:ph type="title"/>
@@ -14398,7 +14426,7 @@
       </p:sp>
       <p:sp>
         <p:nvSpPr>
-          <p:cNvPr id="130" name="Google Shape;130;p10"/>
+          <p:cNvPr id="131" name="Google Shape;131;p10"/>
           <p:cNvSpPr txBox="1"/>
           <p:nvPr>
             <p:ph idx="1" type="body"/>
@@ -14446,7 +14474,7 @@
       </p:sp>
       <p:sp>
         <p:nvSpPr>
-          <p:cNvPr id="131" name="Google Shape;131;p10"/>
+          <p:cNvPr id="132" name="Google Shape;132;p10"/>
           <p:cNvSpPr txBox="1"/>
           <p:nvPr>
             <p:ph idx="1" type="body"/>
@@ -14533,7 +14561,7 @@
       </p:sp>
       <p:pic>
         <p:nvPicPr>
-          <p:cNvPr id="132" name="Google Shape;132;p10"/>
+          <p:cNvPr id="133" name="Google Shape;133;p10"/>
           <p:cNvPicPr preferRelativeResize="0"/>
           <p:nvPr/>
         </p:nvPicPr>
@@ -14561,7 +14589,7 @@
       </p:pic>
       <p:sp>
         <p:nvSpPr>
-          <p:cNvPr id="133" name="Google Shape;133;p10"/>
+          <p:cNvPr id="134" name="Google Shape;134;p10"/>
           <p:cNvSpPr txBox="1"/>
           <p:nvPr/>
         </p:nvSpPr>
@@ -14622,7 +14650,7 @@
       </p:sp>
       <p:sp>
         <p:nvSpPr>
-          <p:cNvPr id="134" name="Google Shape;134;p10"/>
+          <p:cNvPr id="135" name="Google Shape;135;p10"/>
           <p:cNvSpPr txBox="1"/>
           <p:nvPr/>
         </p:nvSpPr>
@@ -14674,7 +14702,7 @@
       </p:sp>
       <p:sp>
         <p:nvSpPr>
-          <p:cNvPr id="135" name="Google Shape;135;p10"/>
+          <p:cNvPr id="136" name="Google Shape;136;p10"/>
           <p:cNvSpPr txBox="1"/>
           <p:nvPr/>
         </p:nvSpPr>
@@ -14726,7 +14754,7 @@
       </p:sp>
       <p:sp>
         <p:nvSpPr>
-          <p:cNvPr id="136" name="Google Shape;136;p10"/>
+          <p:cNvPr id="137" name="Google Shape;137;p10"/>
           <p:cNvSpPr txBox="1"/>
           <p:nvPr/>
         </p:nvSpPr>
@@ -14778,7 +14806,7 @@
       </p:sp>
       <p:sp>
         <p:nvSpPr>
-          <p:cNvPr id="137" name="Google Shape;137;p10"/>
+          <p:cNvPr id="138" name="Google Shape;138;p10"/>
           <p:cNvSpPr txBox="1"/>
           <p:nvPr/>
         </p:nvSpPr>
@@ -14830,7 +14858,7 @@
       </p:sp>
       <p:sp>
         <p:nvSpPr>
-          <p:cNvPr id="138" name="Google Shape;138;p10"/>
+          <p:cNvPr id="139" name="Google Shape;139;p10"/>
           <p:cNvSpPr txBox="1"/>
           <p:nvPr/>
         </p:nvSpPr>
@@ -14882,7 +14910,7 @@
       </p:sp>
       <p:sp>
         <p:nvSpPr>
-          <p:cNvPr id="139" name="Google Shape;139;p10"/>
+          <p:cNvPr id="140" name="Google Shape;140;p10"/>
           <p:cNvSpPr txBox="1"/>
           <p:nvPr/>
         </p:nvSpPr>
@@ -14934,7 +14962,7 @@
       </p:sp>
       <p:sp>
         <p:nvSpPr>
-          <p:cNvPr id="140" name="Google Shape;140;p10"/>
+          <p:cNvPr id="141" name="Google Shape;141;p10"/>
           <p:cNvSpPr txBox="1"/>
           <p:nvPr/>
         </p:nvSpPr>
@@ -14986,7 +15014,7 @@
       </p:sp>
       <p:sp>
         <p:nvSpPr>
-          <p:cNvPr id="141" name="Google Shape;141;p10"/>
+          <p:cNvPr id="142" name="Google Shape;142;p10"/>
           <p:cNvSpPr txBox="1"/>
           <p:nvPr/>
         </p:nvSpPr>
@@ -15038,9 +15066,9 @@
       </p:sp>
       <p:cxnSp>
         <p:nvCxnSpPr>
-          <p:cNvPr id="142" name="Google Shape;142;p10"/>
+          <p:cNvPr id="143" name="Google Shape;143;p10"/>
           <p:cNvCxnSpPr>
-            <a:endCxn id="134" idx="0"/>
+            <a:endCxn id="135" idx="0"/>
           </p:cNvCxnSpPr>
           <p:nvPr/>
         </p:nvCxnSpPr>
@@ -15066,9 +15094,9 @@
       </p:cxnSp>
       <p:cxnSp>
         <p:nvCxnSpPr>
-          <p:cNvPr id="143" name="Google Shape;143;p10"/>
+          <p:cNvPr id="144" name="Google Shape;144;p10"/>
           <p:cNvCxnSpPr>
-            <a:endCxn id="133" idx="2"/>
+            <a:endCxn id="134" idx="2"/>
           </p:cNvCxnSpPr>
           <p:nvPr/>
         </p:nvCxnSpPr>
@@ -15094,10 +15122,10 @@
       </p:cxnSp>
       <p:cxnSp>
         <p:nvCxnSpPr>
-          <p:cNvPr id="144" name="Google Shape;144;p10"/>
+          <p:cNvPr id="145" name="Google Shape;145;p10"/>
           <p:cNvCxnSpPr>
-            <a:stCxn id="136" idx="0"/>
-            <a:endCxn id="133" idx="2"/>
+            <a:stCxn id="137" idx="0"/>
+            <a:endCxn id="134" idx="2"/>
           </p:cNvCxnSpPr>
           <p:nvPr/>
         </p:nvCxnSpPr>
@@ -15123,10 +15151,10 @@
       </p:cxnSp>
       <p:cxnSp>
         <p:nvCxnSpPr>
-          <p:cNvPr id="145" name="Google Shape;145;p10"/>
+          <p:cNvPr id="146" name="Google Shape;146;p10"/>
           <p:cNvCxnSpPr>
-            <a:stCxn id="135" idx="0"/>
-            <a:endCxn id="133" idx="2"/>
+            <a:stCxn id="136" idx="0"/>
+            <a:endCxn id="134" idx="2"/>
           </p:cNvCxnSpPr>
           <p:nvPr/>
         </p:nvCxnSpPr>
@@ -15163,7 +15191,7 @@
   <p:cSld>
     <p:spTree>
       <p:nvGrpSpPr>
-        <p:cNvPr id="149" name="Shape 149"/>
+        <p:cNvPr id="150" name="Shape 150"/>
         <p:cNvGrpSpPr/>
         <p:nvPr/>
       </p:nvGrpSpPr>
@@ -15177,7 +15205,7 @@
       </p:grpSpPr>
       <p:sp>
         <p:nvSpPr>
-          <p:cNvPr id="150" name="Google Shape;150;p11"/>
+          <p:cNvPr id="151" name="Google Shape;151;p11"/>
           <p:cNvSpPr txBox="1"/>
           <p:nvPr>
             <p:ph type="title"/>
@@ -15229,7 +15257,7 @@
       </p:sp>
       <p:sp>
         <p:nvSpPr>
-          <p:cNvPr id="151" name="Google Shape;151;p11"/>
+          <p:cNvPr id="152" name="Google Shape;152;p11"/>
           <p:cNvSpPr txBox="1"/>
           <p:nvPr>
             <p:ph idx="1" type="body"/>
@@ -15280,7 +15308,7 @@
       </p:sp>
       <p:graphicFrame>
         <p:nvGraphicFramePr>
-          <p:cNvPr id="152" name="Google Shape;152;p11"/>
+          <p:cNvPr id="153" name="Google Shape;153;p11"/>
           <p:cNvGraphicFramePr/>
           <p:nvPr/>
         </p:nvGraphicFramePr>
@@ -15293,7 +15321,7 @@
             <a:tbl>
               <a:tblPr>
                 <a:noFill/>
-                <a:tableStyleId>{FD569BA4-3733-4328-87F6-26B5889362EF}</a:tableStyleId>
+                <a:tableStyleId>{892FEACB-812C-425B-A971-95FB361C50B4}</a:tableStyleId>
               </a:tblPr>
               <a:tblGrid>
                 <a:gridCol w="3847675"/>
